--- a/pdf/TUM-SEIP-MakingOf.pptx
+++ b/pdf/TUM-SEIP-MakingOf.pptx
@@ -4281,7 +4281,7 @@
               <a:rPr lang="en-DE" sz="1200" dirty="0">
                 <a:latin typeface="SEA Edge" panose="020B0503030403020204" pitchFamily="34" charset="0"/>
               </a:rPr>
-              <a:t>Audio VST Plugins (Reverberation Reduction)</a:t>
+              <a:t>Audio VST Plugin (Reverberation Reduction)</a:t>
             </a:r>
           </a:p>
           <a:p>
@@ -4327,7 +4327,7 @@
               <a:rPr lang="en-DE" sz="1200" dirty="0">
                 <a:latin typeface="SEA Edge" panose="020B0503030403020204" pitchFamily="34" charset="0"/>
               </a:rPr>
-              <a:t>Audio VST Plugins (De-Esser)</a:t>
+              <a:t>Audio VST Plugin (De-Esser)</a:t>
             </a:r>
           </a:p>
           <a:p>
@@ -4350,7 +4350,7 @@
               <a:rPr lang="en-DE" sz="1200" dirty="0">
                 <a:latin typeface="SEA Edge" panose="020B0503030403020204" pitchFamily="34" charset="0"/>
               </a:rPr>
-              <a:t>Audio VST Plugins (Equalizer)</a:t>
+              <a:t>Audio VST Plugin (Equalizer)</a:t>
             </a:r>
           </a:p>
           <a:p>
@@ -4396,7 +4396,7 @@
               <a:rPr lang="en-DE" sz="1200" dirty="0">
                 <a:latin typeface="SEA Edge" panose="020B0503030403020204" pitchFamily="34" charset="0"/>
               </a:rPr>
-              <a:t>Audio VST Plugins (Limiter)</a:t>
+              <a:t>Audio VST Plugin (Limiter)</a:t>
             </a:r>
           </a:p>
           <a:p>

--- a/pdf/TUM-SEIP-MakingOf.pptx
+++ b/pdf/TUM-SEIP-MakingOf.pptx
@@ -261,7 +261,7 @@
           <a:p>
             <a:fld id="{D69614B7-F635-E24D-A48C-BDE379C90952}" type="datetimeFigureOut">
               <a:rPr lang="en-DE" smtClean="0"/>
-              <a:t>02.12.22</a:t>
+              <a:t>03.12.22</a:t>
             </a:fld>
             <a:endParaRPr lang="en-DE"/>
           </a:p>
@@ -461,7 +461,7 @@
           <a:p>
             <a:fld id="{D69614B7-F635-E24D-A48C-BDE379C90952}" type="datetimeFigureOut">
               <a:rPr lang="en-DE" smtClean="0"/>
-              <a:t>02.12.22</a:t>
+              <a:t>03.12.22</a:t>
             </a:fld>
             <a:endParaRPr lang="en-DE"/>
           </a:p>
@@ -671,7 +671,7 @@
           <a:p>
             <a:fld id="{D69614B7-F635-E24D-A48C-BDE379C90952}" type="datetimeFigureOut">
               <a:rPr lang="en-DE" smtClean="0"/>
-              <a:t>02.12.22</a:t>
+              <a:t>03.12.22</a:t>
             </a:fld>
             <a:endParaRPr lang="en-DE"/>
           </a:p>
@@ -871,7 +871,7 @@
           <a:p>
             <a:fld id="{D69614B7-F635-E24D-A48C-BDE379C90952}" type="datetimeFigureOut">
               <a:rPr lang="en-DE" smtClean="0"/>
-              <a:t>02.12.22</a:t>
+              <a:t>03.12.22</a:t>
             </a:fld>
             <a:endParaRPr lang="en-DE"/>
           </a:p>
@@ -1147,7 +1147,7 @@
           <a:p>
             <a:fld id="{D69614B7-F635-E24D-A48C-BDE379C90952}" type="datetimeFigureOut">
               <a:rPr lang="en-DE" smtClean="0"/>
-              <a:t>02.12.22</a:t>
+              <a:t>03.12.22</a:t>
             </a:fld>
             <a:endParaRPr lang="en-DE"/>
           </a:p>
@@ -1415,7 +1415,7 @@
           <a:p>
             <a:fld id="{D69614B7-F635-E24D-A48C-BDE379C90952}" type="datetimeFigureOut">
               <a:rPr lang="en-DE" smtClean="0"/>
-              <a:t>02.12.22</a:t>
+              <a:t>03.12.22</a:t>
             </a:fld>
             <a:endParaRPr lang="en-DE"/>
           </a:p>
@@ -1830,7 +1830,7 @@
           <a:p>
             <a:fld id="{D69614B7-F635-E24D-A48C-BDE379C90952}" type="datetimeFigureOut">
               <a:rPr lang="en-DE" smtClean="0"/>
-              <a:t>02.12.22</a:t>
+              <a:t>03.12.22</a:t>
             </a:fld>
             <a:endParaRPr lang="en-DE"/>
           </a:p>
@@ -1972,7 +1972,7 @@
           <a:p>
             <a:fld id="{D69614B7-F635-E24D-A48C-BDE379C90952}" type="datetimeFigureOut">
               <a:rPr lang="en-DE" smtClean="0"/>
-              <a:t>02.12.22</a:t>
+              <a:t>03.12.22</a:t>
             </a:fld>
             <a:endParaRPr lang="en-DE"/>
           </a:p>
@@ -2085,7 +2085,7 @@
           <a:p>
             <a:fld id="{D69614B7-F635-E24D-A48C-BDE379C90952}" type="datetimeFigureOut">
               <a:rPr lang="en-DE" smtClean="0"/>
-              <a:t>02.12.22</a:t>
+              <a:t>03.12.22</a:t>
             </a:fld>
             <a:endParaRPr lang="en-DE"/>
           </a:p>
@@ -2398,7 +2398,7 @@
           <a:p>
             <a:fld id="{D69614B7-F635-E24D-A48C-BDE379C90952}" type="datetimeFigureOut">
               <a:rPr lang="en-DE" smtClean="0"/>
-              <a:t>02.12.22</a:t>
+              <a:t>03.12.22</a:t>
             </a:fld>
             <a:endParaRPr lang="en-DE"/>
           </a:p>
@@ -2687,7 +2687,7 @@
           <a:p>
             <a:fld id="{D69614B7-F635-E24D-A48C-BDE379C90952}" type="datetimeFigureOut">
               <a:rPr lang="en-DE" smtClean="0"/>
-              <a:t>02.12.22</a:t>
+              <a:t>03.12.22</a:t>
             </a:fld>
             <a:endParaRPr lang="en-DE"/>
           </a:p>
@@ -2930,7 +2930,7 @@
           <a:p>
             <a:fld id="{D69614B7-F635-E24D-A48C-BDE379C90952}" type="datetimeFigureOut">
               <a:rPr lang="en-DE" smtClean="0"/>
-              <a:t>02.12.22</a:t>
+              <a:t>03.12.22</a:t>
             </a:fld>
             <a:endParaRPr lang="en-DE"/>
           </a:p>
@@ -3414,7 +3414,7 @@
         <p:spPr>
           <a:xfrm>
             <a:off x="664566" y="1806317"/>
-            <a:ext cx="2420856" cy="3662541"/>
+            <a:ext cx="2420856" cy="4401205"/>
           </a:xfrm>
           <a:prstGeom prst="rect">
             <a:avLst/>
@@ -3465,9 +3465,6 @@
               </a:rPr>
               <a:t>Video/Audio Production</a:t>
             </a:r>
-            <a:endParaRPr lang="en-DE" sz="1200" dirty="0">
-              <a:latin typeface="SEA Text" panose="020B0503030403020204" pitchFamily="34" charset="0"/>
-            </a:endParaRPr>
           </a:p>
           <a:p>
             <a:pPr marL="285750" indent="-285750">
@@ -3478,7 +3475,7 @@
               <a:rPr lang="en-DE" sz="1200" dirty="0">
                 <a:latin typeface="SEA Text" panose="020B0503030403020204" pitchFamily="34" charset="0"/>
               </a:rPr>
-              <a:t>Apple iPad Pro</a:t>
+              <a:t>AVerMedia BOLT</a:t>
             </a:r>
             <a:br>
               <a:rPr lang="en-DE" sz="1200" dirty="0">
@@ -3489,7 +3486,7 @@
               <a:rPr lang="en-GB" sz="1200" dirty="0">
                 <a:latin typeface="SEA Edge" panose="020B0503030403020204" pitchFamily="34" charset="0"/>
               </a:rPr>
-              <a:t>Content Presentation</a:t>
+              <a:t>Video Capture Card</a:t>
             </a:r>
             <a:endParaRPr lang="en-DE" sz="1200" dirty="0">
               <a:latin typeface="SEA Text" panose="020B0503030403020204" pitchFamily="34" charset="0"/>
@@ -3504,6 +3501,32 @@
               <a:rPr lang="en-DE" sz="1200" dirty="0">
                 <a:latin typeface="SEA Text" panose="020B0503030403020204" pitchFamily="34" charset="0"/>
               </a:rPr>
+              <a:t>Apple iPad Pro</a:t>
+            </a:r>
+            <a:br>
+              <a:rPr lang="en-DE" sz="1200" dirty="0">
+                <a:latin typeface="SEA Text" panose="020B0503030403020204" pitchFamily="34" charset="0"/>
+              </a:rPr>
+            </a:br>
+            <a:r>
+              <a:rPr lang="en-GB" sz="1200" dirty="0">
+                <a:latin typeface="SEA Edge" panose="020B0503030403020204" pitchFamily="34" charset="0"/>
+              </a:rPr>
+              <a:t>Content Presentation</a:t>
+            </a:r>
+            <a:endParaRPr lang="en-DE" sz="1200" dirty="0">
+              <a:latin typeface="SEA Text" panose="020B0503030403020204" pitchFamily="34" charset="0"/>
+            </a:endParaRPr>
+          </a:p>
+          <a:p>
+            <a:pPr marL="285750" indent="-285750">
+              <a:buFont typeface="Arial" panose="020B0604020202020204" pitchFamily="34" charset="0"/>
+              <a:buChar char="•"/>
+            </a:pPr>
+            <a:r>
+              <a:rPr lang="en-DE" sz="1200" dirty="0">
+                <a:latin typeface="SEA Text" panose="020B0503030403020204" pitchFamily="34" charset="0"/>
+              </a:rPr>
               <a:t>Logitech BRIO 4K (5x)</a:t>
             </a:r>
             <a:br>
@@ -3517,6 +3540,32 @@
               </a:rPr>
               <a:t>Cameras (1x Lecturer, 4x Room)</a:t>
             </a:r>
+          </a:p>
+          <a:p>
+            <a:pPr marL="285750" indent="-285750">
+              <a:buFont typeface="Arial" panose="020B0604020202020204" pitchFamily="34" charset="0"/>
+              <a:buChar char="•"/>
+            </a:pPr>
+            <a:r>
+              <a:rPr lang="en-DE" sz="1200" dirty="0">
+                <a:latin typeface="SEA Text" panose="020B0503030403020204" pitchFamily="34" charset="0"/>
+              </a:rPr>
+              <a:t>Focusrite Scarlett Solo</a:t>
+            </a:r>
+            <a:br>
+              <a:rPr lang="en-DE" sz="1200" dirty="0">
+                <a:latin typeface="SEA Text" panose="020B0503030403020204" pitchFamily="34" charset="0"/>
+              </a:rPr>
+            </a:br>
+            <a:r>
+              <a:rPr lang="en-DE" sz="1200" dirty="0">
+                <a:latin typeface="SEA Edge" panose="020B0503030403020204" pitchFamily="34" charset="0"/>
+              </a:rPr>
+              <a:t>Microphone Audio Interface</a:t>
+            </a:r>
+            <a:endParaRPr lang="en-DE" sz="1200" dirty="0">
+              <a:latin typeface="SEA Text" panose="020B0503030403020204" pitchFamily="34" charset="0"/>
+            </a:endParaRPr>
           </a:p>
           <a:p>
             <a:pPr marL="285750" indent="-285750">

--- a/pdf/TUM-SEIP-MakingOf.pptx
+++ b/pdf/TUM-SEIP-MakingOf.pptx
@@ -3414,7 +3414,7 @@
         <p:spPr>
           <a:xfrm>
             <a:off x="664566" y="1806317"/>
-            <a:ext cx="2420856" cy="4401205"/>
+            <a:ext cx="2420856" cy="4955203"/>
           </a:xfrm>
           <a:prstGeom prst="rect">
             <a:avLst/>
@@ -3694,7 +3694,36 @@
               <a:rPr lang="en-DE" sz="1200" dirty="0">
                 <a:latin typeface="SEA Text" panose="020B0503030403020204" pitchFamily="34" charset="0"/>
               </a:rPr>
-              <a:t>Elgato StreamDeck</a:t>
+              <a:t>Elgato StreamDeck XL</a:t>
+            </a:r>
+            <a:br>
+              <a:rPr lang="en-DE" sz="1200" dirty="0">
+                <a:latin typeface="SEA Text" panose="020B0503030403020204" pitchFamily="34" charset="0"/>
+              </a:rPr>
+            </a:br>
+            <a:r>
+              <a:rPr lang="en-GB" sz="1200" dirty="0">
+                <a:latin typeface="SEA Edge" panose="020B0503030403020204" pitchFamily="34" charset="0"/>
+              </a:rPr>
+              <a:t>P</a:t>
+            </a:r>
+            <a:r>
+              <a:rPr lang="en-DE" sz="1200" dirty="0">
+                <a:latin typeface="SEA Edge" panose="020B0503030403020204" pitchFamily="34" charset="0"/>
+              </a:rPr>
+              <a:t>roduction Control</a:t>
+            </a:r>
+          </a:p>
+          <a:p>
+            <a:pPr marL="285750" indent="-285750">
+              <a:buFont typeface="Arial" panose="020B0604020202020204" pitchFamily="34" charset="0"/>
+              <a:buChar char="•"/>
+            </a:pPr>
+            <a:r>
+              <a:rPr lang="en-DE" sz="1200" dirty="0">
+                <a:latin typeface="SEA Text" panose="020B0503030403020204" pitchFamily="34" charset="0"/>
+              </a:rPr>
+              <a:t>Elgato StreamDeck Pedal</a:t>
             </a:r>
             <a:br>
               <a:rPr lang="en-DE" sz="1200" dirty="0">
@@ -3791,7 +3820,7 @@
         <p:spPr>
           <a:xfrm>
             <a:off x="8053338" y="1806316"/>
-            <a:ext cx="2353529" cy="2092881"/>
+            <a:ext cx="2379177" cy="2092881"/>
           </a:xfrm>
           <a:prstGeom prst="rect">
             <a:avLst/>
@@ -3811,7 +3840,7 @@
                 </a:solidFill>
                 <a:latin typeface="SEA Edge" panose="020B0503030403020204" pitchFamily="34" charset="0"/>
               </a:rPr>
-              <a:t>SOFTWARE: Cloud/Server</a:t>
+              <a:t>SOFTWARE: Cloud / Server</a:t>
             </a:r>
             <a:endParaRPr lang="en-DE" sz="1600" dirty="0">
               <a:solidFill>
@@ -3959,7 +3988,7 @@
                 </a:solidFill>
                 <a:latin typeface="SEA Edge" panose="020B0503030403020204" pitchFamily="34" charset="0"/>
               </a:rPr>
-              <a:t>SOFTWARE: Lecturer/Video</a:t>
+              <a:t>SOFTWARE: Lecturer / Video</a:t>
             </a:r>
             <a:endParaRPr lang="en-DE" sz="1600" dirty="0">
               <a:solidFill>
@@ -4113,7 +4142,7 @@
         <p:spPr>
           <a:xfrm>
             <a:off x="8053338" y="3344922"/>
-            <a:ext cx="2476960" cy="2092881"/>
+            <a:ext cx="2502608" cy="2462213"/>
           </a:xfrm>
           <a:prstGeom prst="rect">
             <a:avLst/>
@@ -4133,7 +4162,7 @@
                 </a:solidFill>
                 <a:latin typeface="SEA Edge" panose="020B0503030403020204" pitchFamily="34" charset="0"/>
               </a:rPr>
-              <a:t>SOFTWARE: Website/Client</a:t>
+              <a:t>SOFTWARE: Website / Client</a:t>
             </a:r>
             <a:endParaRPr lang="en-DE" sz="1600" dirty="0">
               <a:solidFill>
@@ -4151,7 +4180,7 @@
               <a:rPr lang="en-DE" sz="1200" dirty="0">
                 <a:latin typeface="SEA Text" panose="020B0503030403020204" pitchFamily="34" charset="0"/>
               </a:rPr>
-              <a:t>Vue.js</a:t>
+              <a:t>Vue</a:t>
             </a:r>
             <a:br>
               <a:rPr lang="en-DE" sz="1200" dirty="0">
@@ -4163,6 +4192,29 @@
                 <a:latin typeface="SEA Edge" panose="020B0503030403020204" pitchFamily="34" charset="0"/>
               </a:rPr>
               <a:t>Webpage Rendering Engine</a:t>
+            </a:r>
+          </a:p>
+          <a:p>
+            <a:pPr marL="285750" indent="-285750">
+              <a:buFont typeface="Arial" panose="020B0604020202020204" pitchFamily="34" charset="0"/>
+              <a:buChar char="•"/>
+            </a:pPr>
+            <a:r>
+              <a:rPr lang="en-DE" sz="1200" dirty="0">
+                <a:latin typeface="SEA Text" panose="020B0503030403020204" pitchFamily="34" charset="0"/>
+              </a:rPr>
+              <a:t>FontAwesome</a:t>
+            </a:r>
+            <a:br>
+              <a:rPr lang="en-DE" sz="1200" dirty="0">
+                <a:latin typeface="SEA Text" panose="020B0503030403020204" pitchFamily="34" charset="0"/>
+              </a:rPr>
+            </a:br>
+            <a:r>
+              <a:rPr lang="en-DE" sz="1200" dirty="0">
+                <a:latin typeface="SEA Edge" panose="020B0503030403020204" pitchFamily="34" charset="0"/>
+              </a:rPr>
+              <a:t>Webpage Icons</a:t>
             </a:r>
           </a:p>
           <a:p>
@@ -4278,7 +4330,7 @@
                 </a:solidFill>
                 <a:latin typeface="SEA Edge" panose="020B0503030403020204" pitchFamily="34" charset="0"/>
               </a:rPr>
-              <a:t>SOFTWARE: Lecturer/Audio</a:t>
+              <a:t>SOFTWARE: Lecturer / Audio</a:t>
             </a:r>
             <a:endParaRPr lang="en-DE" sz="1600" dirty="0">
               <a:solidFill>
@@ -4570,8 +4622,8 @@
         </p:nvSpPr>
         <p:spPr>
           <a:xfrm>
-            <a:off x="7991622" y="4883528"/>
-            <a:ext cx="2190023" cy="1446550"/>
+            <a:off x="8022149" y="5191026"/>
+            <a:ext cx="2291012" cy="1446550"/>
           </a:xfrm>
           <a:prstGeom prst="rect">
             <a:avLst/>
@@ -4638,11 +4690,17 @@
               <a:rPr lang="en-DE" sz="1200" dirty="0">
                 <a:latin typeface="SEA Text" panose="020B0503030403020204" pitchFamily="34" charset="0"/>
               </a:rPr>
-              <a:t>HLS (YouTube-Variant)</a:t>
+              <a:t>HLS/HTTP </a:t>
+            </a:r>
+            <a:r>
+              <a:rPr lang="en-DE" sz="1200" dirty="0">
+                <a:latin typeface="SEA Edge" panose="020B0503030403020204" pitchFamily="34" charset="0"/>
+              </a:rPr>
+              <a:t>(YouTube-Variant)</a:t>
             </a:r>
             <a:br>
               <a:rPr lang="en-DE" sz="1200" dirty="0">
-                <a:latin typeface="SEA Text" panose="020B0503030403020204" pitchFamily="34" charset="0"/>
+                <a:latin typeface="SEA Edge" panose="020B0503030403020204" pitchFamily="34" charset="0"/>
               </a:rPr>
             </a:br>
             <a:r>
@@ -4661,7 +4719,7 @@
               <a:rPr lang="en-DE" sz="1200" dirty="0">
                 <a:latin typeface="SEA Text" panose="020B0503030403020204" pitchFamily="34" charset="0"/>
               </a:rPr>
-              <a:t>MQTT</a:t>
+              <a:t>MQTT/WebSocket</a:t>
             </a:r>
             <a:br>
               <a:rPr lang="en-DE" sz="1200" dirty="0">
